--- a/README.pptx
+++ b/README.pptx
@@ -17,16 +17,17 @@
     <p:sldId id="262" r:id="rId11"/>
     <p:sldId id="263" r:id="rId12"/>
     <p:sldId id="264" r:id="rId13"/>
+    <p:sldId id="265" r:id="rId14"/>
   </p:sldIdLst>
   <p:sldSz cy="5143500" cx="9144000"/>
   <p:notesSz cx="6858000" cy="9144000"/>
   <p:embeddedFontLst>
     <p:embeddedFont>
       <p:font typeface="Roboto"/>
-      <p:regular r:id="rId14"/>
-      <p:bold r:id="rId15"/>
-      <p:italic r:id="rId16"/>
-      <p:boldItalic r:id="rId17"/>
+      <p:regular r:id="rId15"/>
+      <p:bold r:id="rId16"/>
+      <p:italic r:id="rId17"/>
+      <p:boldItalic r:id="rId18"/>
     </p:embeddedFont>
   </p:embeddedFontLst>
   <p:defaultTextStyle>
@@ -782,6 +783,104 @@
 </p:notes>
 </file>
 
+<file path=ppt/notesSlides/notesSlide10.xml><?xml version="1.0" encoding="utf-8"?>
+<p:notes xmlns:a="http://schemas.openxmlformats.org/drawingml/2006/main" xmlns:r="http://schemas.openxmlformats.org/officeDocument/2006/relationships" xmlns:mc="http://schemas.openxmlformats.org/markup-compatibility/2006" xmlns:mv="urn:schemas-microsoft-com:mac:vml" xmlns:p="http://schemas.openxmlformats.org/presentationml/2006/main" xmlns:c="http://schemas.openxmlformats.org/drawingml/2006/chart" xmlns:dgm="http://schemas.openxmlformats.org/drawingml/2006/diagram" xmlns:o="urn:schemas-microsoft-com:office:office" xmlns:v="urn:schemas-microsoft-com:vml" xmlns:pvml="urn:schemas-microsoft-com:office:powerpoint" xmlns:com="http://schemas.openxmlformats.org/drawingml/2006/compatibility" xmlns:p14="http://schemas.microsoft.com/office/powerpoint/2010/main" xmlns:p15="http://schemas.microsoft.com/office/powerpoint/2012/main" showMasterPhAnim="0" showMasterSp="0">
+  <p:cSld>
+    <p:spTree>
+      <p:nvGrpSpPr>
+        <p:cNvPr id="142" name="Shape 142"/>
+        <p:cNvGrpSpPr/>
+        <p:nvPr/>
+      </p:nvGrpSpPr>
+      <p:grpSpPr>
+        <a:xfrm>
+          <a:off x="0" y="0"/>
+          <a:ext cx="0" cy="0"/>
+          <a:chOff x="0" y="0"/>
+          <a:chExt cx="0" cy="0"/>
+        </a:xfrm>
+      </p:grpSpPr>
+      <p:sp>
+        <p:nvSpPr>
+          <p:cNvPr id="143" name="Shape 143"/>
+          <p:cNvSpPr/>
+          <p:nvPr>
+            <p:ph idx="2" type="sldImg"/>
+          </p:nvPr>
+        </p:nvSpPr>
+        <p:spPr>
+          <a:xfrm>
+            <a:off x="381300" y="685800"/>
+            <a:ext cx="6096000" cy="3429000"/>
+          </a:xfrm>
+          <a:custGeom>
+            <a:pathLst>
+              <a:path extrusionOk="0" h="120000" w="120000">
+                <a:moveTo>
+                  <a:pt x="0" y="0"/>
+                </a:moveTo>
+                <a:lnTo>
+                  <a:pt x="120000" y="0"/>
+                </a:lnTo>
+                <a:lnTo>
+                  <a:pt x="120000" y="120000"/>
+                </a:lnTo>
+                <a:lnTo>
+                  <a:pt x="0" y="120000"/>
+                </a:lnTo>
+                <a:close/>
+              </a:path>
+            </a:pathLst>
+          </a:custGeom>
+        </p:spPr>
+      </p:sp>
+      <p:sp>
+        <p:nvSpPr>
+          <p:cNvPr id="144" name="Shape 144"/>
+          <p:cNvSpPr txBox="1"/>
+          <p:nvPr>
+            <p:ph idx="1" type="body"/>
+          </p:nvPr>
+        </p:nvSpPr>
+        <p:spPr>
+          <a:xfrm>
+            <a:off x="685800" y="4343400"/>
+            <a:ext cx="5486400" cy="4114800"/>
+          </a:xfrm>
+          <a:prstGeom prst="rect">
+            <a:avLst/>
+          </a:prstGeom>
+        </p:spPr>
+        <p:txBody>
+          <a:bodyPr anchorCtr="0" anchor="t" bIns="91425" lIns="91425" spcFirstLastPara="1" rIns="91425" wrap="square" tIns="91425">
+            <a:noAutofit/>
+          </a:bodyPr>
+          <a:lstStyle/>
+          <a:p>
+            <a:pPr indent="0" lvl="0" marL="0">
+              <a:spcBef>
+                <a:spcPts val="0"/>
+              </a:spcBef>
+              <a:spcAft>
+                <a:spcPts val="0"/>
+              </a:spcAft>
+              <a:buNone/>
+            </a:pPr>
+            <a:r>
+              <a:t/>
+            </a:r>
+            <a:endParaRPr/>
+          </a:p>
+        </p:txBody>
+      </p:sp>
+    </p:spTree>
+  </p:cSld>
+  <p:clrMapOvr>
+    <a:masterClrMapping/>
+  </p:clrMapOvr>
+</p:notes>
+</file>
+
 <file path=ppt/notesSlides/notesSlide2.xml><?xml version="1.0" encoding="utf-8"?>
 <p:notes xmlns:a="http://schemas.openxmlformats.org/drawingml/2006/main" xmlns:r="http://schemas.openxmlformats.org/officeDocument/2006/relationships" xmlns:mc="http://schemas.openxmlformats.org/markup-compatibility/2006" xmlns:mv="urn:schemas-microsoft-com:mac:vml" xmlns:p="http://schemas.openxmlformats.org/presentationml/2006/main" xmlns:c="http://schemas.openxmlformats.org/drawingml/2006/chart" xmlns:dgm="http://schemas.openxmlformats.org/drawingml/2006/diagram" xmlns:o="urn:schemas-microsoft-com:office:office" xmlns:v="urn:schemas-microsoft-com:vml" xmlns:pvml="urn:schemas-microsoft-com:office:powerpoint" xmlns:com="http://schemas.openxmlformats.org/drawingml/2006/compatibility" xmlns:p14="http://schemas.microsoft.com/office/powerpoint/2010/main" xmlns:p15="http://schemas.microsoft.com/office/powerpoint/2012/main" showMasterPhAnim="0" showMasterSp="0">
   <p:cSld>
@@ -1081,7 +1180,7 @@
   <p:cSld>
     <p:spTree>
       <p:nvGrpSpPr>
-        <p:cNvPr id="108" name="Shape 108"/>
+        <p:cNvPr id="106" name="Shape 106"/>
         <p:cNvGrpSpPr/>
         <p:nvPr/>
       </p:nvGrpSpPr>
@@ -1095,7 +1194,7 @@
       </p:grpSpPr>
       <p:sp>
         <p:nvSpPr>
-          <p:cNvPr id="109" name="Shape 109"/>
+          <p:cNvPr id="107" name="Shape 107"/>
           <p:cNvSpPr/>
           <p:nvPr>
             <p:ph idx="2" type="sldImg"/>
@@ -1129,7 +1228,7 @@
       </p:sp>
       <p:sp>
         <p:nvSpPr>
-          <p:cNvPr id="110" name="Shape 110"/>
+          <p:cNvPr id="108" name="Shape 108"/>
           <p:cNvSpPr txBox="1"/>
           <p:nvPr>
             <p:ph idx="1" type="body"/>
@@ -1179,7 +1278,7 @@
   <p:cSld>
     <p:spTree>
       <p:nvGrpSpPr>
-        <p:cNvPr id="115" name="Shape 115"/>
+        <p:cNvPr id="114" name="Shape 114"/>
         <p:cNvGrpSpPr/>
         <p:nvPr/>
       </p:nvGrpSpPr>
@@ -1193,7 +1292,7 @@
       </p:grpSpPr>
       <p:sp>
         <p:nvSpPr>
-          <p:cNvPr id="116" name="Shape 116"/>
+          <p:cNvPr id="115" name="Shape 115"/>
           <p:cNvSpPr/>
           <p:nvPr>
             <p:ph idx="2" type="sldImg"/>
@@ -1227,7 +1326,7 @@
       </p:sp>
       <p:sp>
         <p:nvSpPr>
-          <p:cNvPr id="117" name="Shape 117"/>
+          <p:cNvPr id="116" name="Shape 116"/>
           <p:cNvSpPr txBox="1"/>
           <p:nvPr>
             <p:ph idx="1" type="body"/>
@@ -1277,7 +1376,7 @@
   <p:cSld>
     <p:spTree>
       <p:nvGrpSpPr>
-        <p:cNvPr id="123" name="Shape 123"/>
+        <p:cNvPr id="121" name="Shape 121"/>
         <p:cNvGrpSpPr/>
         <p:nvPr/>
       </p:nvGrpSpPr>
@@ -1291,7 +1390,7 @@
       </p:grpSpPr>
       <p:sp>
         <p:nvSpPr>
-          <p:cNvPr id="124" name="Shape 124"/>
+          <p:cNvPr id="122" name="Shape 122"/>
           <p:cNvSpPr/>
           <p:nvPr>
             <p:ph idx="2" type="sldImg"/>
@@ -1325,7 +1424,7 @@
       </p:sp>
       <p:sp>
         <p:nvSpPr>
-          <p:cNvPr id="125" name="Shape 125"/>
+          <p:cNvPr id="123" name="Shape 123"/>
           <p:cNvSpPr txBox="1"/>
           <p:nvPr>
             <p:ph idx="1" type="body"/>
@@ -1473,7 +1572,7 @@
   <p:cSld>
     <p:spTree>
       <p:nvGrpSpPr>
-        <p:cNvPr id="136" name="Shape 136"/>
+        <p:cNvPr id="135" name="Shape 135"/>
         <p:cNvGrpSpPr/>
         <p:nvPr/>
       </p:nvGrpSpPr>
@@ -1487,7 +1586,7 @@
       </p:grpSpPr>
       <p:sp>
         <p:nvSpPr>
-          <p:cNvPr id="137" name="Shape 137"/>
+          <p:cNvPr id="136" name="Shape 136"/>
           <p:cNvSpPr/>
           <p:nvPr>
             <p:ph idx="2" type="sldImg"/>
@@ -1521,7 +1620,7 @@
       </p:sp>
       <p:sp>
         <p:nvSpPr>
-          <p:cNvPr id="138" name="Shape 138"/>
+          <p:cNvPr id="137" name="Shape 137"/>
           <p:cNvSpPr txBox="1"/>
           <p:nvPr>
             <p:ph idx="1" type="body"/>
@@ -8251,6 +8350,138 @@
 </p:sld>
 </file>
 
+<file path=ppt/slides/slide10.xml><?xml version="1.0" encoding="utf-8"?>
+<p:sld xmlns:a="http://schemas.openxmlformats.org/drawingml/2006/main" xmlns:r="http://schemas.openxmlformats.org/officeDocument/2006/relationships" xmlns:mc="http://schemas.openxmlformats.org/markup-compatibility/2006" xmlns:mv="urn:schemas-microsoft-com:mac:vml" xmlns:p="http://schemas.openxmlformats.org/presentationml/2006/main" xmlns:c="http://schemas.openxmlformats.org/drawingml/2006/chart" xmlns:dgm="http://schemas.openxmlformats.org/drawingml/2006/diagram" xmlns:o="urn:schemas-microsoft-com:office:office" xmlns:v="urn:schemas-microsoft-com:vml" xmlns:pvml="urn:schemas-microsoft-com:office:powerpoint" xmlns:com="http://schemas.openxmlformats.org/drawingml/2006/compatibility" xmlns:p14="http://schemas.microsoft.com/office/powerpoint/2010/main" xmlns:p15="http://schemas.microsoft.com/office/powerpoint/2012/main">
+  <p:cSld>
+    <p:spTree>
+      <p:nvGrpSpPr>
+        <p:cNvPr id="145" name="Shape 145"/>
+        <p:cNvGrpSpPr/>
+        <p:nvPr/>
+      </p:nvGrpSpPr>
+      <p:grpSpPr>
+        <a:xfrm>
+          <a:off x="0" y="0"/>
+          <a:ext cx="0" cy="0"/>
+          <a:chOff x="0" y="0"/>
+          <a:chExt cx="0" cy="0"/>
+        </a:xfrm>
+      </p:grpSpPr>
+      <p:sp>
+        <p:nvSpPr>
+          <p:cNvPr id="146" name="Shape 146"/>
+          <p:cNvSpPr txBox="1"/>
+          <p:nvPr>
+            <p:ph type="title"/>
+          </p:nvPr>
+        </p:nvSpPr>
+        <p:spPr>
+          <a:xfrm>
+            <a:off x="311700" y="410000"/>
+            <a:ext cx="8520600" cy="607800"/>
+          </a:xfrm>
+          <a:prstGeom prst="rect">
+            <a:avLst/>
+          </a:prstGeom>
+        </p:spPr>
+        <p:txBody>
+          <a:bodyPr anchorCtr="0" anchor="t" bIns="91425" lIns="91425" spcFirstLastPara="1" rIns="91425" wrap="square" tIns="91425">
+            <a:noAutofit/>
+          </a:bodyPr>
+          <a:lstStyle/>
+          <a:p>
+            <a:pPr indent="0" lvl="0" marL="0">
+              <a:spcBef>
+                <a:spcPts val="0"/>
+              </a:spcBef>
+              <a:spcAft>
+                <a:spcPts val="0"/>
+              </a:spcAft>
+              <a:buNone/>
+            </a:pPr>
+            <a:r>
+              <a:rPr lang="en"/>
+              <a:t>Unit Test Passed</a:t>
+            </a:r>
+            <a:endParaRPr/>
+          </a:p>
+        </p:txBody>
+      </p:sp>
+      <p:sp>
+        <p:nvSpPr>
+          <p:cNvPr id="147" name="Shape 147"/>
+          <p:cNvSpPr txBox="1"/>
+          <p:nvPr>
+            <p:ph idx="1" type="body"/>
+          </p:nvPr>
+        </p:nvSpPr>
+        <p:spPr>
+          <a:xfrm>
+            <a:off x="311700" y="1229875"/>
+            <a:ext cx="8520600" cy="3339000"/>
+          </a:xfrm>
+          <a:prstGeom prst="rect">
+            <a:avLst/>
+          </a:prstGeom>
+        </p:spPr>
+        <p:txBody>
+          <a:bodyPr anchorCtr="0" anchor="t" bIns="91425" lIns="91425" spcFirstLastPara="1" rIns="91425" wrap="square" tIns="91425">
+            <a:noAutofit/>
+          </a:bodyPr>
+          <a:lstStyle/>
+          <a:p>
+            <a:pPr indent="0" lvl="0" marL="0">
+              <a:spcBef>
+                <a:spcPts val="0"/>
+              </a:spcBef>
+              <a:spcAft>
+                <a:spcPts val="1600"/>
+              </a:spcAft>
+              <a:buNone/>
+            </a:pPr>
+            <a:r>
+              <a:t/>
+            </a:r>
+            <a:endParaRPr/>
+          </a:p>
+        </p:txBody>
+      </p:sp>
+      <p:pic>
+        <p:nvPicPr>
+          <p:cNvPr id="148" name="Shape 148"/>
+          <p:cNvPicPr preferRelativeResize="0"/>
+          <p:nvPr/>
+        </p:nvPicPr>
+        <p:blipFill>
+          <a:blip r:embed="rId3">
+            <a:alphaModFix/>
+          </a:blip>
+          <a:stretch>
+            <a:fillRect/>
+          </a:stretch>
+        </p:blipFill>
+        <p:spPr>
+          <a:xfrm>
+            <a:off x="377025" y="1323375"/>
+            <a:ext cx="5160300" cy="3152000"/>
+          </a:xfrm>
+          <a:prstGeom prst="rect">
+            <a:avLst/>
+          </a:prstGeom>
+          <a:noFill/>
+          <a:ln>
+            <a:noFill/>
+          </a:ln>
+        </p:spPr>
+      </p:pic>
+    </p:spTree>
+  </p:cSld>
+  <p:clrMapOvr>
+    <a:masterClrMapping/>
+  </p:clrMapOvr>
+</p:sld>
+</file>
+
 <file path=ppt/slides/slide2.xml><?xml version="1.0" encoding="utf-8"?>
 <p:sld xmlns:a="http://schemas.openxmlformats.org/drawingml/2006/main" xmlns:r="http://schemas.openxmlformats.org/officeDocument/2006/relationships" xmlns:mc="http://schemas.openxmlformats.org/markup-compatibility/2006" xmlns:mv="urn:schemas-microsoft-com:mac:vml" xmlns:p="http://schemas.openxmlformats.org/presentationml/2006/main" xmlns:c="http://schemas.openxmlformats.org/drawingml/2006/chart" xmlns:dgm="http://schemas.openxmlformats.org/drawingml/2006/diagram" xmlns:o="urn:schemas-microsoft-com:office:office" xmlns:v="urn:schemas-microsoft-com:vml" xmlns:pvml="urn:schemas-microsoft-com:office:powerpoint" xmlns:com="http://schemas.openxmlformats.org/drawingml/2006/compatibility" xmlns:p14="http://schemas.microsoft.com/office/powerpoint/2010/main" xmlns:p15="http://schemas.microsoft.com/office/powerpoint/2012/main">
   <p:cSld>
@@ -8586,7 +8817,7 @@
                 <a:cs typeface="Arial"/>
                 <a:sym typeface="Arial"/>
               </a:rPr>
-              <a:t>Our goal in this problem is to find the shortest path to visit all city(point) exactly once.</a:t>
+              <a:t>Our goal in this problem is to find the shortest path to visit all cities(points) exactly once.</a:t>
             </a:r>
             <a:endParaRPr sz="1400">
               <a:solidFill>
@@ -8732,14 +8963,46 @@
             </a:r>
             <a:r>
               <a:rPr lang="en"/>
-              <a:t> : Randomly generated individuals , filled with different Route. Each Route consists with City object(Array of City). </a:t>
+              <a:t> : Randomly generated individuals , filled with different Route. </a:t>
+            </a:r>
+            <a:endParaRPr/>
+          </a:p>
+          <a:p>
+            <a:pPr indent="-317500" lvl="1" marL="914400" rtl="0">
+              <a:spcBef>
+                <a:spcPts val="0"/>
+              </a:spcBef>
+              <a:spcAft>
+                <a:spcPts val="0"/>
+              </a:spcAft>
+              <a:buSzPts val="1400"/>
+              <a:buChar char="○"/>
+            </a:pPr>
+            <a:r>
+              <a:rPr lang="en"/>
+              <a:t>Population: { [MA,CA,NY,MI],[CA,MA,NY,MI],[NY,CA,MA,MI].......}</a:t>
+            </a:r>
+            <a:endParaRPr/>
+          </a:p>
+          <a:p>
+            <a:pPr indent="0" lvl="0" marL="457200" rtl="0">
+              <a:spcBef>
+                <a:spcPts val="1600"/>
+              </a:spcBef>
+              <a:spcAft>
+                <a:spcPts val="0"/>
+              </a:spcAft>
+              <a:buNone/>
+            </a:pPr>
+            <a:r>
+              <a:t/>
             </a:r>
             <a:endParaRPr/>
           </a:p>
           <a:p>
             <a:pPr indent="-342900" lvl="0" marL="457200" rtl="0">
               <a:spcBef>
-                <a:spcPts val="0"/>
+                <a:spcPts val="1600"/>
               </a:spcBef>
               <a:spcAft>
                 <a:spcPts val="0"/>
@@ -8749,11 +9012,28 @@
             </a:pPr>
             <a:r>
               <a:rPr b="1" lang="en"/>
-              <a:t>Tournament Size(5)</a:t>
+              <a:t>Genotype: </a:t>
             </a:r>
             <a:r>
               <a:rPr lang="en"/>
-              <a:t>: Randomly pick 5 individuals from entire population as tournament array</a:t>
+              <a:t>Each Route consists with City objects(Array of Cities). </a:t>
+            </a:r>
+            <a:endParaRPr/>
+          </a:p>
+          <a:p>
+            <a:pPr indent="-317500" lvl="1" marL="914400" rtl="0">
+              <a:spcBef>
+                <a:spcPts val="0"/>
+              </a:spcBef>
+              <a:spcAft>
+                <a:spcPts val="0"/>
+              </a:spcAft>
+              <a:buSzPts val="1400"/>
+              <a:buChar char="○"/>
+            </a:pPr>
+            <a:r>
+              <a:rPr lang="en"/>
+              <a:t>Single Route: [MA,CA,NY,MI]</a:t>
             </a:r>
             <a:endParaRPr/>
           </a:p>
@@ -8770,31 +9050,66 @@
             </a:pPr>
             <a:r>
               <a:rPr b="1" lang="en"/>
-              <a:t>Fitness Score: </a:t>
+              <a:t>Gene Expression: </a:t>
             </a:r>
             <a:r>
               <a:rPr lang="en"/>
-              <a:t>Sum of the distance of all city in a route in </a:t>
+              <a:t>Cities are randomly </a:t>
             </a:r>
             <a:r>
               <a:rPr lang="en"/>
-              <a:t>consecutive order. For better illustration, </a:t>
-            </a:r>
-            <a:r>
-              <a:rPr lang="en" u="sng"/>
-              <a:t> we used total distance as fitness score</a:t>
+              <a:t>distributed</a:t>
             </a:r>
             <a:r>
               <a:rPr lang="en"/>
-              <a:t> instead of 1/distance. Thus, best fitness score = lowest fitness score, worst fitness score = highest fitness score, </a:t>
+              <a:t> within the array.</a:t>
             </a:r>
-            <a:r>
-              <a:rPr lang="en" u="sng"/>
-              <a:t>the lower the score, the shorter the path</a:t>
-            </a:r>
+            <a:endParaRPr/>
+          </a:p>
+          <a:p>
+            <a:pPr indent="-317500" lvl="1" marL="914400" rtl="0">
+              <a:spcBef>
+                <a:spcPts val="0"/>
+              </a:spcBef>
+              <a:spcAft>
+                <a:spcPts val="0"/>
+              </a:spcAft>
+              <a:buSzPts val="1400"/>
+              <a:buChar char="○"/>
+            </a:pPr>
             <a:r>
               <a:rPr lang="en"/>
-              <a:t>, the better fit.</a:t>
+              <a:t>The index of city is random. [MA,CA,NY,MI] and [CA,NY,MI,MA] are in different gene expression</a:t>
+            </a:r>
+            <a:endParaRPr/>
+          </a:p>
+          <a:p>
+            <a:pPr indent="0" lvl="0" marL="457200" rtl="0">
+              <a:spcBef>
+                <a:spcPts val="1600"/>
+              </a:spcBef>
+              <a:spcAft>
+                <a:spcPts val="0"/>
+              </a:spcAft>
+              <a:buNone/>
+            </a:pPr>
+            <a:r>
+              <a:t/>
+            </a:r>
+            <a:endParaRPr/>
+          </a:p>
+          <a:p>
+            <a:pPr indent="0" lvl="0" marL="0" rtl="0">
+              <a:spcBef>
+                <a:spcPts val="1600"/>
+              </a:spcBef>
+              <a:spcAft>
+                <a:spcPts val="0"/>
+              </a:spcAft>
+              <a:buNone/>
+            </a:pPr>
+            <a:r>
+              <a:t/>
             </a:r>
             <a:endParaRPr/>
           </a:p>
@@ -8895,7 +9210,7 @@
         </p:nvSpPr>
         <p:spPr>
           <a:xfrm>
-            <a:off x="311700" y="423275"/>
+            <a:off x="311700" y="410000"/>
             <a:ext cx="8520600" cy="607800"/>
           </a:xfrm>
           <a:prstGeom prst="rect">
@@ -8960,6 +9275,174 @@
             </a:pPr>
             <a:r>
               <a:rPr b="1" lang="en"/>
+              <a:t>Tournament Size(5)</a:t>
+            </a:r>
+            <a:r>
+              <a:rPr lang="en"/>
+              <a:t>: Randomly pick 5 individuals from entire population as tournament array</a:t>
+            </a:r>
+            <a:endParaRPr/>
+          </a:p>
+          <a:p>
+            <a:pPr indent="-342900" lvl="0" marL="457200" rtl="0">
+              <a:spcBef>
+                <a:spcPts val="0"/>
+              </a:spcBef>
+              <a:spcAft>
+                <a:spcPts val="0"/>
+              </a:spcAft>
+              <a:buSzPts val="1800"/>
+              <a:buChar char="●"/>
+            </a:pPr>
+            <a:r>
+              <a:rPr b="1" lang="en"/>
+              <a:t>Fitness Score: </a:t>
+            </a:r>
+            <a:r>
+              <a:rPr lang="en"/>
+              <a:t>Sum of the distance of all city in a route in consecutive order. For better illustration, </a:t>
+            </a:r>
+            <a:r>
+              <a:rPr lang="en" u="sng"/>
+              <a:t> we used total distance as fitness score</a:t>
+            </a:r>
+            <a:r>
+              <a:rPr lang="en"/>
+              <a:t> instead of 1/distance. Thus, best fitness score = lowest fitness score, worst fitness score = highest fitness score, </a:t>
+            </a:r>
+            <a:r>
+              <a:rPr lang="en" u="sng"/>
+              <a:t>the lower the score, the shorter the path</a:t>
+            </a:r>
+            <a:r>
+              <a:rPr lang="en"/>
+              <a:t>, the better fit.</a:t>
+            </a:r>
+            <a:endParaRPr/>
+          </a:p>
+          <a:p>
+            <a:pPr indent="-342900" lvl="0" marL="457200" rtl="0">
+              <a:spcBef>
+                <a:spcPts val="0"/>
+              </a:spcBef>
+              <a:spcAft>
+                <a:spcPts val="0"/>
+              </a:spcAft>
+              <a:buSzPts val="1800"/>
+              <a:buChar char="●"/>
+            </a:pPr>
+            <a:r>
+              <a:rPr b="1" lang="en"/>
+              <a:t>Distance: </a:t>
+            </a:r>
+            <a:r>
+              <a:rPr lang="en"/>
+              <a:t>Calculated as the line distance between two cities x, y coordinate</a:t>
+            </a:r>
+            <a:endParaRPr/>
+          </a:p>
+        </p:txBody>
+      </p:sp>
+    </p:spTree>
+  </p:cSld>
+  <p:clrMapOvr>
+    <a:masterClrMapping/>
+  </p:clrMapOvr>
+</p:sld>
+</file>
+
+<file path=ppt/slides/slide5.xml><?xml version="1.0" encoding="utf-8"?>
+<p:sld xmlns:a="http://schemas.openxmlformats.org/drawingml/2006/main" xmlns:r="http://schemas.openxmlformats.org/officeDocument/2006/relationships" xmlns:mc="http://schemas.openxmlformats.org/markup-compatibility/2006" xmlns:mv="urn:schemas-microsoft-com:mac:vml" xmlns:p="http://schemas.openxmlformats.org/presentationml/2006/main" xmlns:c="http://schemas.openxmlformats.org/drawingml/2006/chart" xmlns:dgm="http://schemas.openxmlformats.org/drawingml/2006/diagram" xmlns:o="urn:schemas-microsoft-com:office:office" xmlns:v="urn:schemas-microsoft-com:vml" xmlns:pvml="urn:schemas-microsoft-com:office:powerpoint" xmlns:com="http://schemas.openxmlformats.org/drawingml/2006/compatibility" xmlns:p14="http://schemas.microsoft.com/office/powerpoint/2010/main" xmlns:p15="http://schemas.microsoft.com/office/powerpoint/2012/main">
+  <p:cSld>
+    <p:spTree>
+      <p:nvGrpSpPr>
+        <p:cNvPr id="109" name="Shape 109"/>
+        <p:cNvGrpSpPr/>
+        <p:nvPr/>
+      </p:nvGrpSpPr>
+      <p:grpSpPr>
+        <a:xfrm>
+          <a:off x="0" y="0"/>
+          <a:ext cx="0" cy="0"/>
+          <a:chOff x="0" y="0"/>
+          <a:chExt cx="0" cy="0"/>
+        </a:xfrm>
+      </p:grpSpPr>
+      <p:sp>
+        <p:nvSpPr>
+          <p:cNvPr id="110" name="Shape 110"/>
+          <p:cNvSpPr txBox="1"/>
+          <p:nvPr>
+            <p:ph type="title"/>
+          </p:nvPr>
+        </p:nvSpPr>
+        <p:spPr>
+          <a:xfrm>
+            <a:off x="311700" y="423275"/>
+            <a:ext cx="8520600" cy="607800"/>
+          </a:xfrm>
+          <a:prstGeom prst="rect">
+            <a:avLst/>
+          </a:prstGeom>
+        </p:spPr>
+        <p:txBody>
+          <a:bodyPr anchorCtr="0" anchor="t" bIns="91425" lIns="91425" spcFirstLastPara="1" rIns="91425" wrap="square" tIns="91425">
+            <a:noAutofit/>
+          </a:bodyPr>
+          <a:lstStyle/>
+          <a:p>
+            <a:pPr indent="0" lvl="0" marL="0">
+              <a:spcBef>
+                <a:spcPts val="0"/>
+              </a:spcBef>
+              <a:spcAft>
+                <a:spcPts val="0"/>
+              </a:spcAft>
+              <a:buNone/>
+            </a:pPr>
+            <a:r>
+              <a:rPr lang="en"/>
+              <a:t>Approach</a:t>
+            </a:r>
+            <a:endParaRPr/>
+          </a:p>
+        </p:txBody>
+      </p:sp>
+      <p:sp>
+        <p:nvSpPr>
+          <p:cNvPr id="111" name="Shape 111"/>
+          <p:cNvSpPr txBox="1"/>
+          <p:nvPr>
+            <p:ph idx="1" type="body"/>
+          </p:nvPr>
+        </p:nvSpPr>
+        <p:spPr>
+          <a:xfrm>
+            <a:off x="311700" y="1229875"/>
+            <a:ext cx="8520600" cy="3339000"/>
+          </a:xfrm>
+          <a:prstGeom prst="rect">
+            <a:avLst/>
+          </a:prstGeom>
+        </p:spPr>
+        <p:txBody>
+          <a:bodyPr anchorCtr="0" anchor="t" bIns="91425" lIns="91425" spcFirstLastPara="1" rIns="91425" wrap="square" tIns="91425">
+            <a:noAutofit/>
+          </a:bodyPr>
+          <a:lstStyle/>
+          <a:p>
+            <a:pPr indent="-342900" lvl="0" marL="457200" rtl="0">
+              <a:spcBef>
+                <a:spcPts val="0"/>
+              </a:spcBef>
+              <a:spcAft>
+                <a:spcPts val="0"/>
+              </a:spcAft>
+              <a:buSzPts val="1800"/>
+              <a:buChar char="●"/>
+            </a:pPr>
+            <a:r>
+              <a:rPr b="1" lang="en"/>
               <a:t>Parents</a:t>
             </a:r>
             <a:r>
@@ -9042,7 +9525,7 @@
       </p:sp>
       <p:pic>
         <p:nvPicPr>
-          <p:cNvPr id="106" name="Shape 106"/>
+          <p:cNvPr id="112" name="Shape 112"/>
           <p:cNvPicPr preferRelativeResize="0"/>
           <p:nvPr/>
         </p:nvPicPr>
@@ -9070,7 +9553,7 @@
       </p:pic>
       <p:pic>
         <p:nvPicPr>
-          <p:cNvPr id="107" name="Shape 107"/>
+          <p:cNvPr id="113" name="Shape 113"/>
           <p:cNvPicPr preferRelativeResize="0"/>
           <p:nvPr/>
         </p:nvPicPr>
@@ -9104,12 +9587,12 @@
 </p:sld>
 </file>
 
-<file path=ppt/slides/slide5.xml><?xml version="1.0" encoding="utf-8"?>
+<file path=ppt/slides/slide6.xml><?xml version="1.0" encoding="utf-8"?>
 <p:sld xmlns:a="http://schemas.openxmlformats.org/drawingml/2006/main" xmlns:r="http://schemas.openxmlformats.org/officeDocument/2006/relationships" xmlns:mc="http://schemas.openxmlformats.org/markup-compatibility/2006" xmlns:mv="urn:schemas-microsoft-com:mac:vml" xmlns:p="http://schemas.openxmlformats.org/presentationml/2006/main" xmlns:c="http://schemas.openxmlformats.org/drawingml/2006/chart" xmlns:dgm="http://schemas.openxmlformats.org/drawingml/2006/diagram" xmlns:o="urn:schemas-microsoft-com:office:office" xmlns:v="urn:schemas-microsoft-com:vml" xmlns:pvml="urn:schemas-microsoft-com:office:powerpoint" xmlns:com="http://schemas.openxmlformats.org/drawingml/2006/compatibility" xmlns:p14="http://schemas.microsoft.com/office/powerpoint/2010/main" xmlns:p15="http://schemas.microsoft.com/office/powerpoint/2012/main">
   <p:cSld>
     <p:spTree>
       <p:nvGrpSpPr>
-        <p:cNvPr id="111" name="Shape 111"/>
+        <p:cNvPr id="117" name="Shape 117"/>
         <p:cNvGrpSpPr/>
         <p:nvPr/>
       </p:nvGrpSpPr>
@@ -9123,7 +9606,7 @@
       </p:grpSpPr>
       <p:sp>
         <p:nvSpPr>
-          <p:cNvPr id="112" name="Shape 112"/>
+          <p:cNvPr id="118" name="Shape 118"/>
           <p:cNvSpPr txBox="1"/>
           <p:nvPr>
             <p:ph type="title"/>
@@ -9178,7 +9661,7 @@
       </p:sp>
       <p:sp>
         <p:nvSpPr>
-          <p:cNvPr id="113" name="Shape 113"/>
+          <p:cNvPr id="119" name="Shape 119"/>
           <p:cNvSpPr txBox="1"/>
           <p:nvPr>
             <p:ph idx="1" type="body"/>
@@ -9275,7 +9758,7 @@
       </p:sp>
       <p:pic>
         <p:nvPicPr>
-          <p:cNvPr id="114" name="Shape 114"/>
+          <p:cNvPr id="120" name="Shape 120"/>
           <p:cNvPicPr preferRelativeResize="0"/>
           <p:nvPr/>
         </p:nvPicPr>
@@ -9309,12 +9792,12 @@
 </p:sld>
 </file>
 
-<file path=ppt/slides/slide6.xml><?xml version="1.0" encoding="utf-8"?>
+<file path=ppt/slides/slide7.xml><?xml version="1.0" encoding="utf-8"?>
 <p:sld xmlns:a="http://schemas.openxmlformats.org/drawingml/2006/main" xmlns:r="http://schemas.openxmlformats.org/officeDocument/2006/relationships" xmlns:mc="http://schemas.openxmlformats.org/markup-compatibility/2006" xmlns:mv="urn:schemas-microsoft-com:mac:vml" xmlns:p="http://schemas.openxmlformats.org/presentationml/2006/main" xmlns:c="http://schemas.openxmlformats.org/drawingml/2006/chart" xmlns:dgm="http://schemas.openxmlformats.org/drawingml/2006/diagram" xmlns:o="urn:schemas-microsoft-com:office:office" xmlns:v="urn:schemas-microsoft-com:vml" xmlns:pvml="urn:schemas-microsoft-com:office:powerpoint" xmlns:com="http://schemas.openxmlformats.org/drawingml/2006/compatibility" xmlns:p14="http://schemas.microsoft.com/office/powerpoint/2010/main" xmlns:p15="http://schemas.microsoft.com/office/powerpoint/2012/main">
   <p:cSld>
     <p:spTree>
       <p:nvGrpSpPr>
-        <p:cNvPr id="118" name="Shape 118"/>
+        <p:cNvPr id="124" name="Shape 124"/>
         <p:cNvGrpSpPr/>
         <p:nvPr/>
       </p:nvGrpSpPr>
@@ -9328,7 +9811,7 @@
       </p:grpSpPr>
       <p:sp>
         <p:nvSpPr>
-          <p:cNvPr id="119" name="Shape 119"/>
+          <p:cNvPr id="125" name="Shape 125"/>
           <p:cNvSpPr txBox="1"/>
           <p:nvPr>
             <p:ph type="title"/>
@@ -9368,7 +9851,7 @@
       </p:sp>
       <p:sp>
         <p:nvSpPr>
-          <p:cNvPr id="120" name="Shape 120"/>
+          <p:cNvPr id="126" name="Shape 126"/>
           <p:cNvSpPr txBox="1"/>
           <p:nvPr>
             <p:ph idx="1" type="body"/>
@@ -9422,7 +9905,7 @@
       </p:sp>
       <p:pic>
         <p:nvPicPr>
-          <p:cNvPr id="121" name="Shape 121"/>
+          <p:cNvPr id="127" name="Shape 127"/>
           <p:cNvPicPr preferRelativeResize="0"/>
           <p:nvPr/>
         </p:nvPicPr>
@@ -9450,7 +9933,7 @@
       </p:pic>
       <p:sp>
         <p:nvSpPr>
-          <p:cNvPr id="122" name="Shape 122"/>
+          <p:cNvPr id="128" name="Shape 128"/>
           <p:cNvSpPr txBox="1"/>
           <p:nvPr/>
         </p:nvSpPr>
@@ -9641,283 +10124,6 @@
             <a:r>
               <a:rPr lang="en"/>
               <a:t>1000 Evolution: 1290m</a:t>
-            </a:r>
-            <a:endParaRPr/>
-          </a:p>
-        </p:txBody>
-      </p:sp>
-    </p:spTree>
-  </p:cSld>
-  <p:clrMapOvr>
-    <a:masterClrMapping/>
-  </p:clrMapOvr>
-</p:sld>
-</file>
-
-<file path=ppt/slides/slide7.xml><?xml version="1.0" encoding="utf-8"?>
-<p:sld xmlns:a="http://schemas.openxmlformats.org/drawingml/2006/main" xmlns:r="http://schemas.openxmlformats.org/officeDocument/2006/relationships" xmlns:mc="http://schemas.openxmlformats.org/markup-compatibility/2006" xmlns:mv="urn:schemas-microsoft-com:mac:vml" xmlns:p="http://schemas.openxmlformats.org/presentationml/2006/main" xmlns:c="http://schemas.openxmlformats.org/drawingml/2006/chart" xmlns:dgm="http://schemas.openxmlformats.org/drawingml/2006/diagram" xmlns:o="urn:schemas-microsoft-com:office:office" xmlns:v="urn:schemas-microsoft-com:vml" xmlns:pvml="urn:schemas-microsoft-com:office:powerpoint" xmlns:com="http://schemas.openxmlformats.org/drawingml/2006/compatibility" xmlns:p14="http://schemas.microsoft.com/office/powerpoint/2010/main" xmlns:p15="http://schemas.microsoft.com/office/powerpoint/2012/main">
-  <p:cSld>
-    <p:spTree>
-      <p:nvGrpSpPr>
-        <p:cNvPr id="126" name="Shape 126"/>
-        <p:cNvGrpSpPr/>
-        <p:nvPr/>
-      </p:nvGrpSpPr>
-      <p:grpSpPr>
-        <a:xfrm>
-          <a:off x="0" y="0"/>
-          <a:ext cx="0" cy="0"/>
-          <a:chOff x="0" y="0"/>
-          <a:chExt cx="0" cy="0"/>
-        </a:xfrm>
-      </p:grpSpPr>
-      <p:sp>
-        <p:nvSpPr>
-          <p:cNvPr id="127" name="Shape 127"/>
-          <p:cNvSpPr txBox="1"/>
-          <p:nvPr>
-            <p:ph type="title"/>
-          </p:nvPr>
-        </p:nvSpPr>
-        <p:spPr>
-          <a:xfrm>
-            <a:off x="311700" y="410000"/>
-            <a:ext cx="8520600" cy="607800"/>
-          </a:xfrm>
-          <a:prstGeom prst="rect">
-            <a:avLst/>
-          </a:prstGeom>
-        </p:spPr>
-        <p:txBody>
-          <a:bodyPr anchorCtr="0" anchor="t" bIns="91425" lIns="91425" spcFirstLastPara="1" rIns="91425" wrap="square" tIns="91425">
-            <a:noAutofit/>
-          </a:bodyPr>
-          <a:lstStyle/>
-          <a:p>
-            <a:pPr indent="0" lvl="0" marL="0">
-              <a:spcBef>
-                <a:spcPts val="0"/>
-              </a:spcBef>
-              <a:spcAft>
-                <a:spcPts val="0"/>
-              </a:spcAft>
-              <a:buNone/>
-            </a:pPr>
-            <a:r>
-              <a:rPr lang="en"/>
-              <a:t>Conclusion</a:t>
-            </a:r>
-            <a:endParaRPr/>
-          </a:p>
-        </p:txBody>
-      </p:sp>
-      <p:sp>
-        <p:nvSpPr>
-          <p:cNvPr id="128" name="Shape 128"/>
-          <p:cNvSpPr txBox="1"/>
-          <p:nvPr>
-            <p:ph idx="1" type="body"/>
-          </p:nvPr>
-        </p:nvSpPr>
-        <p:spPr>
-          <a:xfrm>
-            <a:off x="311700" y="1229875"/>
-            <a:ext cx="8520600" cy="3339000"/>
-          </a:xfrm>
-          <a:prstGeom prst="rect">
-            <a:avLst/>
-          </a:prstGeom>
-        </p:spPr>
-        <p:txBody>
-          <a:bodyPr anchorCtr="0" anchor="t" bIns="91425" lIns="91425" spcFirstLastPara="1" rIns="91425" wrap="square" tIns="91425">
-            <a:noAutofit/>
-          </a:bodyPr>
-          <a:lstStyle/>
-          <a:p>
-            <a:pPr indent="-342900" lvl="0" marL="457200" rtl="0">
-              <a:lnSpc>
-                <a:spcPct val="100000"/>
-              </a:lnSpc>
-              <a:spcBef>
-                <a:spcPts val="0"/>
-              </a:spcBef>
-              <a:spcAft>
-                <a:spcPts val="0"/>
-              </a:spcAft>
-              <a:buClr>
-                <a:srgbClr val="000000"/>
-              </a:buClr>
-              <a:buSzPts val="1800"/>
-              <a:buFont typeface="Arial"/>
-              <a:buChar char="●"/>
-            </a:pPr>
-            <a:r>
-              <a:rPr lang="en">
-                <a:solidFill>
-                  <a:srgbClr val="000000"/>
-                </a:solidFill>
-                <a:latin typeface="Arial"/>
-                <a:ea typeface="Arial"/>
-                <a:cs typeface="Arial"/>
-                <a:sym typeface="Arial"/>
-              </a:rPr>
-              <a:t>GA is useful to find best solution. The larger the number of element is the individual, the more possible combination of solution.</a:t>
-            </a:r>
-            <a:endParaRPr>
-              <a:solidFill>
-                <a:srgbClr val="000000"/>
-              </a:solidFill>
-              <a:latin typeface="Arial"/>
-              <a:ea typeface="Arial"/>
-              <a:cs typeface="Arial"/>
-              <a:sym typeface="Arial"/>
-            </a:endParaRPr>
-          </a:p>
-          <a:p>
-            <a:pPr indent="0" lvl="0" marL="0" rtl="0">
-              <a:lnSpc>
-                <a:spcPct val="100000"/>
-              </a:lnSpc>
-              <a:spcBef>
-                <a:spcPts val="0"/>
-              </a:spcBef>
-              <a:spcAft>
-                <a:spcPts val="0"/>
-              </a:spcAft>
-              <a:buNone/>
-            </a:pPr>
-            <a:r>
-              <a:t/>
-            </a:r>
-            <a:endParaRPr>
-              <a:solidFill>
-                <a:srgbClr val="000000"/>
-              </a:solidFill>
-              <a:latin typeface="Arial"/>
-              <a:ea typeface="Arial"/>
-              <a:cs typeface="Arial"/>
-              <a:sym typeface="Arial"/>
-            </a:endParaRPr>
-          </a:p>
-          <a:p>
-            <a:pPr indent="-342900" lvl="0" marL="457200" rtl="0">
-              <a:lnSpc>
-                <a:spcPct val="100000"/>
-              </a:lnSpc>
-              <a:spcBef>
-                <a:spcPts val="0"/>
-              </a:spcBef>
-              <a:spcAft>
-                <a:spcPts val="0"/>
-              </a:spcAft>
-              <a:buClr>
-                <a:srgbClr val="000000"/>
-              </a:buClr>
-              <a:buSzPts val="1800"/>
-              <a:buFont typeface="Arial"/>
-              <a:buChar char="●"/>
-            </a:pPr>
-            <a:r>
-              <a:rPr lang="en">
-                <a:solidFill>
-                  <a:srgbClr val="000000"/>
-                </a:solidFill>
-                <a:latin typeface="Arial"/>
-                <a:ea typeface="Arial"/>
-                <a:cs typeface="Arial"/>
-                <a:sym typeface="Arial"/>
-              </a:rPr>
-              <a:t>When mutation is high, the result is not stable.</a:t>
-            </a:r>
-            <a:endParaRPr>
-              <a:solidFill>
-                <a:srgbClr val="000000"/>
-              </a:solidFill>
-              <a:latin typeface="Arial"/>
-              <a:ea typeface="Arial"/>
-              <a:cs typeface="Arial"/>
-              <a:sym typeface="Arial"/>
-            </a:endParaRPr>
-          </a:p>
-          <a:p>
-            <a:pPr indent="0" lvl="0" marL="0" rtl="0">
-              <a:lnSpc>
-                <a:spcPct val="100000"/>
-              </a:lnSpc>
-              <a:spcBef>
-                <a:spcPts val="0"/>
-              </a:spcBef>
-              <a:spcAft>
-                <a:spcPts val="0"/>
-              </a:spcAft>
-              <a:buNone/>
-            </a:pPr>
-            <a:r>
-              <a:t/>
-            </a:r>
-            <a:endParaRPr>
-              <a:solidFill>
-                <a:srgbClr val="000000"/>
-              </a:solidFill>
-              <a:latin typeface="Arial"/>
-              <a:ea typeface="Arial"/>
-              <a:cs typeface="Arial"/>
-              <a:sym typeface="Arial"/>
-            </a:endParaRPr>
-          </a:p>
-          <a:p>
-            <a:pPr indent="-342900" lvl="0" marL="457200" rtl="0">
-              <a:lnSpc>
-                <a:spcPct val="100000"/>
-              </a:lnSpc>
-              <a:spcBef>
-                <a:spcPts val="0"/>
-              </a:spcBef>
-              <a:spcAft>
-                <a:spcPts val="0"/>
-              </a:spcAft>
-              <a:buClr>
-                <a:srgbClr val="000000"/>
-              </a:buClr>
-              <a:buSzPts val="1800"/>
-              <a:buFont typeface="Arial"/>
-              <a:buChar char="●"/>
-            </a:pPr>
-            <a:r>
-              <a:rPr lang="en">
-                <a:solidFill>
-                  <a:srgbClr val="000000"/>
-                </a:solidFill>
-                <a:latin typeface="Arial"/>
-                <a:ea typeface="Arial"/>
-                <a:cs typeface="Arial"/>
-                <a:sym typeface="Arial"/>
-              </a:rPr>
-              <a:t> For a 5 city sized array, the number of possible route is 120. For a 10 city sized array, the number of possible route is 3628800. For a 20 city sized array, the number of possible route is 2.4329E +18.</a:t>
-            </a:r>
-            <a:r>
-              <a:rPr b="1" lang="en">
-                <a:solidFill>
-                  <a:srgbClr val="000000"/>
-                </a:solidFill>
-                <a:latin typeface="Arial"/>
-                <a:ea typeface="Arial"/>
-                <a:cs typeface="Arial"/>
-                <a:sym typeface="Arial"/>
-              </a:rPr>
-              <a:t> The more times of test run(evolution), the better chance we find best fit path(shortest distance path). </a:t>
-            </a:r>
-            <a:r>
-              <a:rPr lang="en">
-                <a:solidFill>
-                  <a:srgbClr val="000000"/>
-                </a:solidFill>
-                <a:latin typeface="Arial"/>
-                <a:ea typeface="Arial"/>
-                <a:cs typeface="Arial"/>
-                <a:sym typeface="Arial"/>
-              </a:rPr>
-              <a:t> </a:t>
             </a:r>
             <a:endParaRPr/>
           </a:p>
@@ -9982,7 +10188,7 @@
             </a:pPr>
             <a:r>
               <a:rPr lang="en"/>
-              <a:t>Main Run Screen Shot</a:t>
+              <a:t>Conclusion</a:t>
             </a:r>
             <a:endParaRPr/>
           </a:p>
@@ -10011,50 +10217,219 @@
           </a:bodyPr>
           <a:lstStyle/>
           <a:p>
-            <a:pPr indent="0" lvl="0" marL="0">
-              <a:spcBef>
-                <a:spcPts val="0"/>
-              </a:spcBef>
-              <a:spcAft>
-                <a:spcPts val="1600"/>
+            <a:pPr indent="-342900" lvl="0" marL="457200" rtl="0">
+              <a:lnSpc>
+                <a:spcPct val="100000"/>
+              </a:lnSpc>
+              <a:spcBef>
+                <a:spcPts val="0"/>
+              </a:spcBef>
+              <a:spcAft>
+                <a:spcPts val="0"/>
+              </a:spcAft>
+              <a:buClr>
+                <a:srgbClr val="000000"/>
+              </a:buClr>
+              <a:buSzPts val="1800"/>
+              <a:buFont typeface="Arial"/>
+              <a:buChar char="●"/>
+            </a:pPr>
+            <a:r>
+              <a:rPr lang="en">
+                <a:solidFill>
+                  <a:srgbClr val="000000"/>
+                </a:solidFill>
+                <a:latin typeface="Arial"/>
+                <a:ea typeface="Arial"/>
+                <a:cs typeface="Arial"/>
+                <a:sym typeface="Arial"/>
+              </a:rPr>
+              <a:t>GA is useful to find best solution. </a:t>
+            </a:r>
+            <a:r>
+              <a:rPr b="1" lang="en">
+                <a:solidFill>
+                  <a:srgbClr val="000000"/>
+                </a:solidFill>
+                <a:latin typeface="Arial"/>
+                <a:ea typeface="Arial"/>
+                <a:cs typeface="Arial"/>
+                <a:sym typeface="Arial"/>
+              </a:rPr>
+              <a:t>The larger the number of element is the individual, the more possible combination of solution.</a:t>
+            </a:r>
+            <a:endParaRPr b="1">
+              <a:solidFill>
+                <a:srgbClr val="000000"/>
+              </a:solidFill>
+              <a:latin typeface="Arial"/>
+              <a:ea typeface="Arial"/>
+              <a:cs typeface="Arial"/>
+              <a:sym typeface="Arial"/>
+            </a:endParaRPr>
+          </a:p>
+          <a:p>
+            <a:pPr indent="0" lvl="0" marL="0" rtl="0">
+              <a:lnSpc>
+                <a:spcPct val="100000"/>
+              </a:lnSpc>
+              <a:spcBef>
+                <a:spcPts val="0"/>
+              </a:spcBef>
+              <a:spcAft>
+                <a:spcPts val="0"/>
               </a:spcAft>
               <a:buNone/>
             </a:pPr>
             <a:r>
               <a:t/>
+            </a:r>
+            <a:endParaRPr>
+              <a:solidFill>
+                <a:srgbClr val="000000"/>
+              </a:solidFill>
+              <a:latin typeface="Arial"/>
+              <a:ea typeface="Arial"/>
+              <a:cs typeface="Arial"/>
+              <a:sym typeface="Arial"/>
+            </a:endParaRPr>
+          </a:p>
+          <a:p>
+            <a:pPr indent="-342900" lvl="0" marL="457200" rtl="0">
+              <a:lnSpc>
+                <a:spcPct val="100000"/>
+              </a:lnSpc>
+              <a:spcBef>
+                <a:spcPts val="0"/>
+              </a:spcBef>
+              <a:spcAft>
+                <a:spcPts val="0"/>
+              </a:spcAft>
+              <a:buClr>
+                <a:srgbClr val="000000"/>
+              </a:buClr>
+              <a:buSzPts val="1800"/>
+              <a:buFont typeface="Arial"/>
+              <a:buChar char="●"/>
+            </a:pPr>
+            <a:r>
+              <a:rPr b="1" lang="en">
+                <a:solidFill>
+                  <a:srgbClr val="000000"/>
+                </a:solidFill>
+                <a:latin typeface="Arial"/>
+                <a:ea typeface="Arial"/>
+                <a:cs typeface="Arial"/>
+                <a:sym typeface="Arial"/>
+              </a:rPr>
+              <a:t>When mutation is high, the result is not stable</a:t>
+            </a:r>
+            <a:r>
+              <a:rPr lang="en">
+                <a:solidFill>
+                  <a:srgbClr val="000000"/>
+                </a:solidFill>
+                <a:latin typeface="Arial"/>
+                <a:ea typeface="Arial"/>
+                <a:cs typeface="Arial"/>
+                <a:sym typeface="Arial"/>
+              </a:rPr>
+              <a:t>.</a:t>
+            </a:r>
+            <a:endParaRPr>
+              <a:solidFill>
+                <a:srgbClr val="000000"/>
+              </a:solidFill>
+              <a:latin typeface="Arial"/>
+              <a:ea typeface="Arial"/>
+              <a:cs typeface="Arial"/>
+              <a:sym typeface="Arial"/>
+            </a:endParaRPr>
+          </a:p>
+          <a:p>
+            <a:pPr indent="0" lvl="0" marL="0" rtl="0">
+              <a:lnSpc>
+                <a:spcPct val="100000"/>
+              </a:lnSpc>
+              <a:spcBef>
+                <a:spcPts val="0"/>
+              </a:spcBef>
+              <a:spcAft>
+                <a:spcPts val="0"/>
+              </a:spcAft>
+              <a:buNone/>
+            </a:pPr>
+            <a:r>
+              <a:t/>
+            </a:r>
+            <a:endParaRPr>
+              <a:solidFill>
+                <a:srgbClr val="000000"/>
+              </a:solidFill>
+              <a:latin typeface="Arial"/>
+              <a:ea typeface="Arial"/>
+              <a:cs typeface="Arial"/>
+              <a:sym typeface="Arial"/>
+            </a:endParaRPr>
+          </a:p>
+          <a:p>
+            <a:pPr indent="-342900" lvl="0" marL="457200" rtl="0">
+              <a:lnSpc>
+                <a:spcPct val="100000"/>
+              </a:lnSpc>
+              <a:spcBef>
+                <a:spcPts val="0"/>
+              </a:spcBef>
+              <a:spcAft>
+                <a:spcPts val="0"/>
+              </a:spcAft>
+              <a:buClr>
+                <a:srgbClr val="000000"/>
+              </a:buClr>
+              <a:buSzPts val="1800"/>
+              <a:buFont typeface="Arial"/>
+              <a:buChar char="●"/>
+            </a:pPr>
+            <a:r>
+              <a:rPr lang="en">
+                <a:solidFill>
+                  <a:srgbClr val="000000"/>
+                </a:solidFill>
+                <a:latin typeface="Arial"/>
+                <a:ea typeface="Arial"/>
+                <a:cs typeface="Arial"/>
+                <a:sym typeface="Arial"/>
+              </a:rPr>
+              <a:t> For a 5 city sized array, the number of possible route is 120. For a 10 city sized array, the number of possible route is 3628800. For a 20 city sized array, the number of possible route is 2.4329E +18.</a:t>
+            </a:r>
+            <a:r>
+              <a:rPr b="1" lang="en">
+                <a:solidFill>
+                  <a:srgbClr val="000000"/>
+                </a:solidFill>
+                <a:latin typeface="Arial"/>
+                <a:ea typeface="Arial"/>
+                <a:cs typeface="Arial"/>
+                <a:sym typeface="Arial"/>
+              </a:rPr>
+              <a:t> The more times of test run(evolution), the better chance we find best fit path(shortest distance path). </a:t>
+            </a:r>
+            <a:r>
+              <a:rPr lang="en">
+                <a:solidFill>
+                  <a:srgbClr val="000000"/>
+                </a:solidFill>
+                <a:latin typeface="Arial"/>
+                <a:ea typeface="Arial"/>
+                <a:cs typeface="Arial"/>
+                <a:sym typeface="Arial"/>
+              </a:rPr>
+              <a:t> </a:t>
             </a:r>
             <a:endParaRPr/>
           </a:p>
         </p:txBody>
       </p:sp>
-      <p:pic>
-        <p:nvPicPr>
-          <p:cNvPr id="135" name="Shape 135"/>
-          <p:cNvPicPr preferRelativeResize="0"/>
-          <p:nvPr/>
-        </p:nvPicPr>
-        <p:blipFill>
-          <a:blip r:embed="rId3">
-            <a:alphaModFix/>
-          </a:blip>
-          <a:stretch>
-            <a:fillRect/>
-          </a:stretch>
-        </p:blipFill>
-        <p:spPr>
-          <a:xfrm>
-            <a:off x="311700" y="1003250"/>
-            <a:ext cx="8520600" cy="3792251"/>
-          </a:xfrm>
-          <a:prstGeom prst="rect">
-            <a:avLst/>
-          </a:prstGeom>
-          <a:noFill/>
-          <a:ln>
-            <a:noFill/>
-          </a:ln>
-        </p:spPr>
-      </p:pic>
     </p:spTree>
   </p:cSld>
   <p:clrMapOvr>
@@ -10068,7 +10443,7 @@
   <p:cSld>
     <p:spTree>
       <p:nvGrpSpPr>
-        <p:cNvPr id="139" name="Shape 139"/>
+        <p:cNvPr id="138" name="Shape 138"/>
         <p:cNvGrpSpPr/>
         <p:nvPr/>
       </p:nvGrpSpPr>
@@ -10082,7 +10457,7 @@
       </p:grpSpPr>
       <p:sp>
         <p:nvSpPr>
-          <p:cNvPr id="140" name="Shape 140"/>
+          <p:cNvPr id="139" name="Shape 139"/>
           <p:cNvSpPr txBox="1"/>
           <p:nvPr>
             <p:ph type="title"/>
@@ -10114,7 +10489,11 @@
             </a:pPr>
             <a:r>
               <a:rPr lang="en"/>
-              <a:t>Unit Test Passed</a:t>
+              <a:t>Main Run </a:t>
+            </a:r>
+            <a:r>
+              <a:rPr lang="en"/>
+              <a:t>Screenshot</a:t>
             </a:r>
             <a:endParaRPr/>
           </a:p>
@@ -10122,7 +10501,7 @@
       </p:sp>
       <p:sp>
         <p:nvSpPr>
-          <p:cNvPr id="141" name="Shape 141"/>
+          <p:cNvPr id="140" name="Shape 140"/>
           <p:cNvSpPr txBox="1"/>
           <p:nvPr>
             <p:ph idx="1" type="body"/>
@@ -10161,7 +10540,7 @@
       </p:sp>
       <p:pic>
         <p:nvPicPr>
-          <p:cNvPr id="142" name="Shape 142"/>
+          <p:cNvPr id="141" name="Shape 141"/>
           <p:cNvPicPr preferRelativeResize="0"/>
           <p:nvPr/>
         </p:nvPicPr>
@@ -10175,8 +10554,8 @@
         </p:blipFill>
         <p:spPr>
           <a:xfrm>
-            <a:off x="377025" y="1323375"/>
-            <a:ext cx="5160300" cy="3152000"/>
+            <a:off x="311700" y="1003250"/>
+            <a:ext cx="8520600" cy="3792251"/>
           </a:xfrm>
           <a:prstGeom prst="rect">
             <a:avLst/>
